--- a/Milestone_1 DBSE.pptx
+++ b/Milestone_1 DBSE.pptx
@@ -6849,7 +6849,7 @@
         </p:nvSpPr>
         <p:spPr>
           <a:xfrm>
-            <a:off x="503999" y="1503653"/>
+            <a:off x="503999" y="1472122"/>
             <a:ext cx="8694539" cy="3662316"/>
           </a:xfrm>
         </p:spPr>
@@ -6881,15 +6881,51 @@
             </a:r>
             <a:r>
               <a:rPr lang="en-US" sz="2200" dirty="0"/>
-              <a:t>) was established, setting up the basis for fixed-term employment in higher education. </a:t>
+              <a:t>) was established in 2007, setting up the basis for fixed-term employment in higher education.</a:t>
             </a:r>
           </a:p>
           <a:p>
             <a:r>
               <a:rPr lang="en-US" sz="2200" dirty="0"/>
-              <a:t>This regulation establishes a maximum period of fixed-term employment for academic staff members in German universities.</a:t>
-            </a:r>
-            <a:endParaRPr lang="en-IN" sz="2200" dirty="0"/>
+              <a:t>This regulation establishes a maximum period of fixed-term employment for academic staff members in German universities to 6 + 6 years.</a:t>
+            </a:r>
+          </a:p>
+          <a:p>
+            <a:r>
+              <a:rPr lang="en-US" sz="2200" b="0" i="0" dirty="0">
+                <a:solidFill>
+                  <a:schemeClr val="tx1"/>
+                </a:solidFill>
+                <a:effectLst/>
+                <a:latin typeface="Roboto" panose="02000000000000000000" pitchFamily="2" charset="0"/>
+              </a:rPr>
+              <a:t>#IchbinHanna is a spontaneously emerging Twitter trend that responds to an explanatory video by the Federal Ministry of Education and Research on the Science Fixed-Term Contract Act (</a:t>
+            </a:r>
+            <a:r>
+              <a:rPr lang="en-US" sz="2200" b="0" i="0" dirty="0" err="1">
+                <a:solidFill>
+                  <a:schemeClr val="tx1"/>
+                </a:solidFill>
+                <a:effectLst/>
+                <a:latin typeface="Roboto" panose="02000000000000000000" pitchFamily="2" charset="0"/>
+              </a:rPr>
+              <a:t>WissZeitVG</a:t>
+            </a:r>
+            <a:r>
+              <a:rPr lang="en-US" sz="2200" b="0" i="0" dirty="0">
+                <a:solidFill>
+                  <a:schemeClr val="tx1"/>
+                </a:solidFill>
+                <a:effectLst/>
+                <a:latin typeface="Roboto" panose="02000000000000000000" pitchFamily="2" charset="0"/>
+              </a:rPr>
+              <a:t>).</a:t>
+            </a:r>
+            <a:endParaRPr lang="en-IN" sz="2200" dirty="0">
+              <a:solidFill>
+                <a:schemeClr val="tx1"/>
+              </a:solidFill>
+            </a:endParaRPr>
           </a:p>
         </p:txBody>
       </p:sp>
@@ -6915,8 +6951,8 @@
         </p:blipFill>
         <p:spPr>
           <a:xfrm>
-            <a:off x="7953504" y="3665415"/>
-            <a:ext cx="2795951" cy="2005135"/>
+            <a:off x="8688829" y="4432057"/>
+            <a:ext cx="1773620" cy="1238493"/>
           </a:xfrm>
           <a:prstGeom prst="rect">
             <a:avLst/>
@@ -7333,10 +7369,197 @@
           <a:bodyPr/>
           <a:lstStyle/>
           <a:p>
-            <a:endParaRPr lang="en-IN"/>
-          </a:p>
-        </p:txBody>
-      </p:sp>
+            <a:r>
+              <a:rPr lang="en-IN" b="0" i="0" dirty="0">
+                <a:solidFill>
+                  <a:srgbClr val="323232"/>
+                </a:solidFill>
+                <a:effectLst/>
+                <a:latin typeface="-apple-system"/>
+              </a:rPr>
+              <a:t> </a:t>
+            </a:r>
+            <a:r>
+              <a:rPr lang="en-IN" b="0" i="0" dirty="0">
+                <a:solidFill>
+                  <a:srgbClr val="323232"/>
+                </a:solidFill>
+                <a:effectLst/>
+                <a:latin typeface="Roboto" panose="02000000000000000000" pitchFamily="2" charset="0"/>
+                <a:ea typeface="Roboto" panose="02000000000000000000" pitchFamily="2" charset="0"/>
+              </a:rPr>
+              <a:t>Python data visualization libraries matplotlib and seaborn to perform EDA and visualize data.</a:t>
+            </a:r>
+          </a:p>
+          <a:p>
+            <a:r>
+              <a:rPr lang="en-IN" dirty="0" err="1">
+                <a:solidFill>
+                  <a:srgbClr val="323232"/>
+                </a:solidFill>
+                <a:latin typeface="Roboto" panose="02000000000000000000" pitchFamily="2" charset="0"/>
+                <a:ea typeface="Roboto" panose="02000000000000000000" pitchFamily="2" charset="0"/>
+              </a:rPr>
+              <a:t>Tweepy</a:t>
+            </a:r>
+            <a:r>
+              <a:rPr lang="en-IN" dirty="0">
+                <a:solidFill>
+                  <a:srgbClr val="323232"/>
+                </a:solidFill>
+                <a:latin typeface="Roboto" panose="02000000000000000000" pitchFamily="2" charset="0"/>
+                <a:ea typeface="Roboto" panose="02000000000000000000" pitchFamily="2" charset="0"/>
+              </a:rPr>
+              <a:t>, a python package to communicate with Twitter V2 API to extract tweets.</a:t>
+            </a:r>
+          </a:p>
+          <a:p>
+            <a:r>
+              <a:rPr lang="en-IN" dirty="0">
+                <a:solidFill>
+                  <a:srgbClr val="323232"/>
+                </a:solidFill>
+                <a:latin typeface="Roboto" panose="02000000000000000000" pitchFamily="2" charset="0"/>
+                <a:ea typeface="Roboto" panose="02000000000000000000" pitchFamily="2" charset="0"/>
+              </a:rPr>
+              <a:t>Topic modelling methodology to discover latent topics of discussion in the extracted tweets.</a:t>
+            </a:r>
+          </a:p>
+          <a:p>
+            <a:r>
+              <a:rPr lang="en-IN" dirty="0" err="1">
+                <a:solidFill>
+                  <a:srgbClr val="323232"/>
+                </a:solidFill>
+                <a:latin typeface="Roboto" panose="02000000000000000000" pitchFamily="2" charset="0"/>
+                <a:ea typeface="Roboto" panose="02000000000000000000" pitchFamily="2" charset="0"/>
+              </a:rPr>
+              <a:t>Spatio</a:t>
+            </a:r>
+            <a:r>
+              <a:rPr lang="en-IN" dirty="0">
+                <a:solidFill>
+                  <a:srgbClr val="323232"/>
+                </a:solidFill>
+                <a:latin typeface="Roboto" panose="02000000000000000000" pitchFamily="2" charset="0"/>
+                <a:ea typeface="Roboto" panose="02000000000000000000" pitchFamily="2" charset="0"/>
+              </a:rPr>
+              <a:t> – Temporal Clustering methodology to discover trends in topics discussed over time.</a:t>
+            </a:r>
+            <a:endParaRPr lang="en-IN" dirty="0">
+              <a:latin typeface="Roboto" panose="02000000000000000000" pitchFamily="2" charset="0"/>
+              <a:ea typeface="Roboto" panose="02000000000000000000" pitchFamily="2" charset="0"/>
+            </a:endParaRPr>
+          </a:p>
+        </p:txBody>
+      </p:sp>
+      <p:pic>
+        <p:nvPicPr>
+          <p:cNvPr id="5" name="Picture 4">
+            <a:extLst>
+              <a:ext uri="{FF2B5EF4-FFF2-40B4-BE49-F238E27FC236}">
+                <a16:creationId xmlns:a16="http://schemas.microsoft.com/office/drawing/2014/main" id="{E3399E11-4DFA-94F7-45DA-FC409696A463}"/>
+              </a:ext>
+            </a:extLst>
+          </p:cNvPr>
+          <p:cNvPicPr>
+            <a:picLocks noChangeAspect="1"/>
+          </p:cNvPicPr>
+          <p:nvPr/>
+        </p:nvPicPr>
+        <p:blipFill>
+          <a:blip r:embed="rId2"/>
+          <a:stretch>
+            <a:fillRect/>
+          </a:stretch>
+        </p:blipFill>
+        <p:spPr>
+          <a:xfrm>
+            <a:off x="7729845" y="4868470"/>
+            <a:ext cx="1302837" cy="373644"/>
+          </a:xfrm>
+          <a:prstGeom prst="rect">
+            <a:avLst/>
+          </a:prstGeom>
+        </p:spPr>
+      </p:pic>
+      <p:pic>
+        <p:nvPicPr>
+          <p:cNvPr id="7" name="Picture 6">
+            <a:extLst>
+              <a:ext uri="{FF2B5EF4-FFF2-40B4-BE49-F238E27FC236}">
+                <a16:creationId xmlns:a16="http://schemas.microsoft.com/office/drawing/2014/main" id="{A2B53FA3-0A90-7B89-D2C7-E89EB0D2DC06}"/>
+              </a:ext>
+            </a:extLst>
+          </p:cNvPr>
+          <p:cNvPicPr>
+            <a:picLocks noChangeAspect="1"/>
+          </p:cNvPicPr>
+          <p:nvPr/>
+        </p:nvPicPr>
+        <p:blipFill>
+          <a:blip r:embed="rId3"/>
+          <a:stretch>
+            <a:fillRect/>
+          </a:stretch>
+        </p:blipFill>
+        <p:spPr>
+          <a:xfrm>
+            <a:off x="7100515" y="4124547"/>
+            <a:ext cx="2337684" cy="561044"/>
+          </a:xfrm>
+          <a:prstGeom prst="rect">
+            <a:avLst/>
+          </a:prstGeom>
+        </p:spPr>
+      </p:pic>
+      <p:pic>
+        <p:nvPicPr>
+          <p:cNvPr id="1030" name="Picture 6" descr="Python (programming language) - Wikipedia">
+            <a:extLst>
+              <a:ext uri="{FF2B5EF4-FFF2-40B4-BE49-F238E27FC236}">
+                <a16:creationId xmlns:a16="http://schemas.microsoft.com/office/drawing/2014/main" id="{77CBA58F-43A2-780D-BA58-35C9FF347428}"/>
+              </a:ext>
+            </a:extLst>
+          </p:cNvPr>
+          <p:cNvPicPr>
+            <a:picLocks noChangeAspect="1" noChangeArrowheads="1"/>
+          </p:cNvPicPr>
+          <p:nvPr/>
+        </p:nvPicPr>
+        <p:blipFill>
+          <a:blip r:embed="rId4">
+            <a:extLst>
+              <a:ext uri="{28A0092B-C50C-407E-A947-70E740481C1C}">
+                <a14:useLocalDpi xmlns:a14="http://schemas.microsoft.com/office/drawing/2010/main" val="0"/>
+              </a:ext>
+            </a:extLst>
+          </a:blip>
+          <a:srcRect/>
+          <a:stretch>
+            <a:fillRect/>
+          </a:stretch>
+        </p:blipFill>
+        <p:spPr bwMode="auto">
+          <a:xfrm>
+            <a:off x="5737430" y="4347184"/>
+            <a:ext cx="1122473" cy="1230655"/>
+          </a:xfrm>
+          <a:prstGeom prst="rect">
+            <a:avLst/>
+          </a:prstGeom>
+          <a:noFill/>
+          <a:extLst>
+            <a:ext uri="{909E8E84-426E-40DD-AFC4-6F175D3DCCD1}">
+              <a14:hiddenFill xmlns:a14="http://schemas.microsoft.com/office/drawing/2010/main">
+                <a:solidFill>
+                  <a:srgbClr val="FFFFFF"/>
+                </a:solidFill>
+              </a14:hiddenFill>
+            </a:ext>
+          </a:extLst>
+        </p:spPr>
+      </p:pic>
     </p:spTree>
     <p:extLst>
       <p:ext uri="{BB962C8B-B14F-4D97-AF65-F5344CB8AC3E}">
